--- a/Day4/OOP (2).pptx
+++ b/Day4/OOP (2).pptx
@@ -218,7 +218,7 @@
           <a:p>
             <a:fld id="{556D8CDC-D891-4AD4-BD0E-20531DC63E91}" type="datetimeFigureOut">
               <a:rPr lang="mr-IN" smtClean="0"/>
-              <a:t>11-03-2022</a:t>
+              <a:t>25-05-2024</a:t>
             </a:fld>
             <a:endParaRPr lang="mr-IN"/>
           </a:p>
@@ -282,35 +282,35 @@
           <a:p>
             <a:pPr lvl="0"/>
             <a:r>
-              <a:rPr lang="en-US" smtClean="0"/>
+              <a:rPr lang="en-US"/>
               <a:t>Click to edit Master text styles</a:t>
             </a:r>
           </a:p>
           <a:p>
             <a:pPr lvl="1"/>
             <a:r>
-              <a:rPr lang="en-US" smtClean="0"/>
+              <a:rPr lang="en-US"/>
               <a:t>Second level</a:t>
             </a:r>
           </a:p>
           <a:p>
             <a:pPr lvl="2"/>
             <a:r>
-              <a:rPr lang="en-US" smtClean="0"/>
+              <a:rPr lang="en-US"/>
               <a:t>Third level</a:t>
             </a:r>
           </a:p>
           <a:p>
             <a:pPr lvl="3"/>
             <a:r>
-              <a:rPr lang="en-US" smtClean="0"/>
+              <a:rPr lang="en-US"/>
               <a:t>Fourth level</a:t>
             </a:r>
           </a:p>
           <a:p>
             <a:pPr lvl="4"/>
             <a:r>
-              <a:rPr lang="en-US" smtClean="0"/>
+              <a:rPr lang="en-US"/>
               <a:t>Fifth level</a:t>
             </a:r>
             <a:endParaRPr lang="mr-IN"/>
@@ -535,7 +535,7 @@
           <a:bodyPr/>
           <a:lstStyle/>
           <a:p>
-            <a:endParaRPr lang="en-IN" smtClean="0"/>
+            <a:endParaRPr lang="en-IN"/>
           </a:p>
         </p:txBody>
       </p:sp>
@@ -561,7 +561,7 @@
               <a:pPr/>
               <a:t>12</a:t>
             </a:fld>
-            <a:endParaRPr lang="en-US" smtClean="0"/>
+            <a:endParaRPr lang="en-US"/>
           </a:p>
         </p:txBody>
       </p:sp>
@@ -617,7 +617,7 @@
               <a:pPr/>
               <a:t>17</a:t>
             </a:fld>
-            <a:endParaRPr lang="en-US" smtClean="0"/>
+            <a:endParaRPr lang="en-US"/>
           </a:p>
         </p:txBody>
       </p:sp>
@@ -662,7 +662,7 @@
           <a:bodyPr/>
           <a:lstStyle/>
           <a:p>
-            <a:endParaRPr lang="en-US" smtClean="0"/>
+            <a:endParaRPr lang="en-US"/>
           </a:p>
         </p:txBody>
       </p:sp>
@@ -728,7 +728,7 @@
           <a:bodyPr/>
           <a:lstStyle/>
           <a:p>
-            <a:endParaRPr lang="en-US" smtClean="0"/>
+            <a:endParaRPr lang="en-US"/>
           </a:p>
         </p:txBody>
       </p:sp>
@@ -754,7 +754,7 @@
               <a:pPr/>
               <a:t>18</a:t>
             </a:fld>
-            <a:endParaRPr lang="en-US" smtClean="0"/>
+            <a:endParaRPr lang="en-US"/>
           </a:p>
         </p:txBody>
       </p:sp>
@@ -820,7 +820,7 @@
           <a:bodyPr/>
           <a:lstStyle/>
           <a:p>
-            <a:endParaRPr lang="en-IN" dirty="0" smtClean="0"/>
+            <a:endParaRPr lang="en-IN" dirty="0"/>
           </a:p>
         </p:txBody>
       </p:sp>
@@ -846,7 +846,7 @@
               <a:pPr/>
               <a:t>19</a:t>
             </a:fld>
-            <a:endParaRPr lang="en-US" smtClean="0"/>
+            <a:endParaRPr lang="en-US"/>
           </a:p>
         </p:txBody>
       </p:sp>
@@ -1079,7 +1079,7 @@
           </a:lstStyle>
           <a:p>
             <a:r>
-              <a:rPr lang="en-US" smtClean="0"/>
+              <a:rPr lang="en-US"/>
               <a:t>Click to edit Master title style</a:t>
             </a:r>
             <a:endParaRPr lang="mr-IN"/>
@@ -1144,7 +1144,7 @@
           </a:lstStyle>
           <a:p>
             <a:r>
-              <a:rPr lang="en-US" smtClean="0"/>
+              <a:rPr lang="en-US"/>
               <a:t>Click to edit Master subtitle style</a:t>
             </a:r>
             <a:endParaRPr lang="mr-IN"/>
@@ -1168,7 +1168,7 @@
           <a:p>
             <a:fld id="{8B47E1FC-2026-4FC4-B443-8BCDB9308FB4}" type="datetimeFigureOut">
               <a:rPr lang="mr-IN" smtClean="0"/>
-              <a:t>11-03-2022</a:t>
+              <a:t>25-05-2024</a:t>
             </a:fld>
             <a:endParaRPr lang="mr-IN"/>
           </a:p>
@@ -1262,7 +1262,7 @@
           <a:lstStyle/>
           <a:p>
             <a:r>
-              <a:rPr lang="en-US" smtClean="0"/>
+              <a:rPr lang="en-US"/>
               <a:t>Click to edit Master title style</a:t>
             </a:r>
             <a:endParaRPr lang="mr-IN"/>
@@ -1286,35 +1286,35 @@
           <a:p>
             <a:pPr lvl="0"/>
             <a:r>
-              <a:rPr lang="en-US" smtClean="0"/>
+              <a:rPr lang="en-US"/>
               <a:t>Click to edit Master text styles</a:t>
             </a:r>
           </a:p>
           <a:p>
             <a:pPr lvl="1"/>
             <a:r>
-              <a:rPr lang="en-US" smtClean="0"/>
+              <a:rPr lang="en-US"/>
               <a:t>Second level</a:t>
             </a:r>
           </a:p>
           <a:p>
             <a:pPr lvl="2"/>
             <a:r>
-              <a:rPr lang="en-US" smtClean="0"/>
+              <a:rPr lang="en-US"/>
               <a:t>Third level</a:t>
             </a:r>
           </a:p>
           <a:p>
             <a:pPr lvl="3"/>
             <a:r>
-              <a:rPr lang="en-US" smtClean="0"/>
+              <a:rPr lang="en-US"/>
               <a:t>Fourth level</a:t>
             </a:r>
           </a:p>
           <a:p>
             <a:pPr lvl="4"/>
             <a:r>
-              <a:rPr lang="en-US" smtClean="0"/>
+              <a:rPr lang="en-US"/>
               <a:t>Fifth level</a:t>
             </a:r>
             <a:endParaRPr lang="mr-IN"/>
@@ -1338,7 +1338,7 @@
           <a:p>
             <a:fld id="{8B47E1FC-2026-4FC4-B443-8BCDB9308FB4}" type="datetimeFigureOut">
               <a:rPr lang="mr-IN" smtClean="0"/>
-              <a:t>11-03-2022</a:t>
+              <a:t>25-05-2024</a:t>
             </a:fld>
             <a:endParaRPr lang="mr-IN"/>
           </a:p>
@@ -1437,7 +1437,7 @@
           <a:lstStyle/>
           <a:p>
             <a:r>
-              <a:rPr lang="en-US" smtClean="0"/>
+              <a:rPr lang="en-US"/>
               <a:t>Click to edit Master title style</a:t>
             </a:r>
             <a:endParaRPr lang="mr-IN"/>
@@ -1466,35 +1466,35 @@
           <a:p>
             <a:pPr lvl="0"/>
             <a:r>
-              <a:rPr lang="en-US" smtClean="0"/>
+              <a:rPr lang="en-US"/>
               <a:t>Click to edit Master text styles</a:t>
             </a:r>
           </a:p>
           <a:p>
             <a:pPr lvl="1"/>
             <a:r>
-              <a:rPr lang="en-US" smtClean="0"/>
+              <a:rPr lang="en-US"/>
               <a:t>Second level</a:t>
             </a:r>
           </a:p>
           <a:p>
             <a:pPr lvl="2"/>
             <a:r>
-              <a:rPr lang="en-US" smtClean="0"/>
+              <a:rPr lang="en-US"/>
               <a:t>Third level</a:t>
             </a:r>
           </a:p>
           <a:p>
             <a:pPr lvl="3"/>
             <a:r>
-              <a:rPr lang="en-US" smtClean="0"/>
+              <a:rPr lang="en-US"/>
               <a:t>Fourth level</a:t>
             </a:r>
           </a:p>
           <a:p>
             <a:pPr lvl="4"/>
             <a:r>
-              <a:rPr lang="en-US" smtClean="0"/>
+              <a:rPr lang="en-US"/>
               <a:t>Fifth level</a:t>
             </a:r>
             <a:endParaRPr lang="mr-IN"/>
@@ -1518,7 +1518,7 @@
           <a:p>
             <a:fld id="{8B47E1FC-2026-4FC4-B443-8BCDB9308FB4}" type="datetimeFigureOut">
               <a:rPr lang="mr-IN" smtClean="0"/>
-              <a:t>11-03-2022</a:t>
+              <a:t>25-05-2024</a:t>
             </a:fld>
             <a:endParaRPr lang="mr-IN"/>
           </a:p>
@@ -1612,7 +1612,7 @@
           <a:lstStyle/>
           <a:p>
             <a:r>
-              <a:rPr lang="en-US" smtClean="0"/>
+              <a:rPr lang="en-US"/>
               <a:t>Click to edit Master title style</a:t>
             </a:r>
             <a:endParaRPr lang="mr-IN"/>
@@ -1636,35 +1636,35 @@
           <a:p>
             <a:pPr lvl="0"/>
             <a:r>
-              <a:rPr lang="en-US" smtClean="0"/>
+              <a:rPr lang="en-US"/>
               <a:t>Click to edit Master text styles</a:t>
             </a:r>
           </a:p>
           <a:p>
             <a:pPr lvl="1"/>
             <a:r>
-              <a:rPr lang="en-US" smtClean="0"/>
+              <a:rPr lang="en-US"/>
               <a:t>Second level</a:t>
             </a:r>
           </a:p>
           <a:p>
             <a:pPr lvl="2"/>
             <a:r>
-              <a:rPr lang="en-US" smtClean="0"/>
+              <a:rPr lang="en-US"/>
               <a:t>Third level</a:t>
             </a:r>
           </a:p>
           <a:p>
             <a:pPr lvl="3"/>
             <a:r>
-              <a:rPr lang="en-US" smtClean="0"/>
+              <a:rPr lang="en-US"/>
               <a:t>Fourth level</a:t>
             </a:r>
           </a:p>
           <a:p>
             <a:pPr lvl="4"/>
             <a:r>
-              <a:rPr lang="en-US" smtClean="0"/>
+              <a:rPr lang="en-US"/>
               <a:t>Fifth level</a:t>
             </a:r>
             <a:endParaRPr lang="mr-IN"/>
@@ -1688,7 +1688,7 @@
           <a:p>
             <a:fld id="{8B47E1FC-2026-4FC4-B443-8BCDB9308FB4}" type="datetimeFigureOut">
               <a:rPr lang="mr-IN" smtClean="0"/>
-              <a:t>11-03-2022</a:t>
+              <a:t>25-05-2024</a:t>
             </a:fld>
             <a:endParaRPr lang="mr-IN"/>
           </a:p>
@@ -1791,7 +1791,7 @@
           </a:lstStyle>
           <a:p>
             <a:r>
-              <a:rPr lang="en-US" smtClean="0"/>
+              <a:rPr lang="en-US"/>
               <a:t>Click to edit Master title style</a:t>
             </a:r>
             <a:endParaRPr lang="mr-IN"/>
@@ -1911,7 +1911,7 @@
           <a:p>
             <a:pPr lvl="0"/>
             <a:r>
-              <a:rPr lang="en-US" smtClean="0"/>
+              <a:rPr lang="en-US"/>
               <a:t>Click to edit Master text styles</a:t>
             </a:r>
           </a:p>
@@ -1934,7 +1934,7 @@
           <a:p>
             <a:fld id="{8B47E1FC-2026-4FC4-B443-8BCDB9308FB4}" type="datetimeFigureOut">
               <a:rPr lang="mr-IN" smtClean="0"/>
-              <a:t>11-03-2022</a:t>
+              <a:t>25-05-2024</a:t>
             </a:fld>
             <a:endParaRPr lang="mr-IN"/>
           </a:p>
@@ -2028,7 +2028,7 @@
           <a:lstStyle/>
           <a:p>
             <a:r>
-              <a:rPr lang="en-US" smtClean="0"/>
+              <a:rPr lang="en-US"/>
               <a:t>Click to edit Master title style</a:t>
             </a:r>
             <a:endParaRPr lang="mr-IN"/>
@@ -2057,35 +2057,35 @@
           <a:p>
             <a:pPr lvl="0"/>
             <a:r>
-              <a:rPr lang="en-US" smtClean="0"/>
+              <a:rPr lang="en-US"/>
               <a:t>Click to edit Master text styles</a:t>
             </a:r>
           </a:p>
           <a:p>
             <a:pPr lvl="1"/>
             <a:r>
-              <a:rPr lang="en-US" smtClean="0"/>
+              <a:rPr lang="en-US"/>
               <a:t>Second level</a:t>
             </a:r>
           </a:p>
           <a:p>
             <a:pPr lvl="2"/>
             <a:r>
-              <a:rPr lang="en-US" smtClean="0"/>
+              <a:rPr lang="en-US"/>
               <a:t>Third level</a:t>
             </a:r>
           </a:p>
           <a:p>
             <a:pPr lvl="3"/>
             <a:r>
-              <a:rPr lang="en-US" smtClean="0"/>
+              <a:rPr lang="en-US"/>
               <a:t>Fourth level</a:t>
             </a:r>
           </a:p>
           <a:p>
             <a:pPr lvl="4"/>
             <a:r>
-              <a:rPr lang="en-US" smtClean="0"/>
+              <a:rPr lang="en-US"/>
               <a:t>Fifth level</a:t>
             </a:r>
             <a:endParaRPr lang="mr-IN"/>
@@ -2114,35 +2114,35 @@
           <a:p>
             <a:pPr lvl="0"/>
             <a:r>
-              <a:rPr lang="en-US" smtClean="0"/>
+              <a:rPr lang="en-US"/>
               <a:t>Click to edit Master text styles</a:t>
             </a:r>
           </a:p>
           <a:p>
             <a:pPr lvl="1"/>
             <a:r>
-              <a:rPr lang="en-US" smtClean="0"/>
+              <a:rPr lang="en-US"/>
               <a:t>Second level</a:t>
             </a:r>
           </a:p>
           <a:p>
             <a:pPr lvl="2"/>
             <a:r>
-              <a:rPr lang="en-US" smtClean="0"/>
+              <a:rPr lang="en-US"/>
               <a:t>Third level</a:t>
             </a:r>
           </a:p>
           <a:p>
             <a:pPr lvl="3"/>
             <a:r>
-              <a:rPr lang="en-US" smtClean="0"/>
+              <a:rPr lang="en-US"/>
               <a:t>Fourth level</a:t>
             </a:r>
           </a:p>
           <a:p>
             <a:pPr lvl="4"/>
             <a:r>
-              <a:rPr lang="en-US" smtClean="0"/>
+              <a:rPr lang="en-US"/>
               <a:t>Fifth level</a:t>
             </a:r>
             <a:endParaRPr lang="mr-IN"/>
@@ -2166,7 +2166,7 @@
           <a:p>
             <a:fld id="{8B47E1FC-2026-4FC4-B443-8BCDB9308FB4}" type="datetimeFigureOut">
               <a:rPr lang="mr-IN" smtClean="0"/>
-              <a:t>11-03-2022</a:t>
+              <a:t>25-05-2024</a:t>
             </a:fld>
             <a:endParaRPr lang="mr-IN"/>
           </a:p>
@@ -2265,7 +2265,7 @@
           <a:lstStyle/>
           <a:p>
             <a:r>
-              <a:rPr lang="en-US" smtClean="0"/>
+              <a:rPr lang="en-US"/>
               <a:t>Click to edit Master title style</a:t>
             </a:r>
             <a:endParaRPr lang="mr-IN"/>
@@ -2331,7 +2331,7 @@
           <a:p>
             <a:pPr lvl="0"/>
             <a:r>
-              <a:rPr lang="en-US" smtClean="0"/>
+              <a:rPr lang="en-US"/>
               <a:t>Click to edit Master text styles</a:t>
             </a:r>
           </a:p>
@@ -2359,35 +2359,35 @@
           <a:p>
             <a:pPr lvl="0"/>
             <a:r>
-              <a:rPr lang="en-US" smtClean="0"/>
+              <a:rPr lang="en-US"/>
               <a:t>Click to edit Master text styles</a:t>
             </a:r>
           </a:p>
           <a:p>
             <a:pPr lvl="1"/>
             <a:r>
-              <a:rPr lang="en-US" smtClean="0"/>
+              <a:rPr lang="en-US"/>
               <a:t>Second level</a:t>
             </a:r>
           </a:p>
           <a:p>
             <a:pPr lvl="2"/>
             <a:r>
-              <a:rPr lang="en-US" smtClean="0"/>
+              <a:rPr lang="en-US"/>
               <a:t>Third level</a:t>
             </a:r>
           </a:p>
           <a:p>
             <a:pPr lvl="3"/>
             <a:r>
-              <a:rPr lang="en-US" smtClean="0"/>
+              <a:rPr lang="en-US"/>
               <a:t>Fourth level</a:t>
             </a:r>
           </a:p>
           <a:p>
             <a:pPr lvl="4"/>
             <a:r>
-              <a:rPr lang="en-US" smtClean="0"/>
+              <a:rPr lang="en-US"/>
               <a:t>Fifth level</a:t>
             </a:r>
             <a:endParaRPr lang="mr-IN"/>
@@ -2453,7 +2453,7 @@
           <a:p>
             <a:pPr lvl="0"/>
             <a:r>
-              <a:rPr lang="en-US" smtClean="0"/>
+              <a:rPr lang="en-US"/>
               <a:t>Click to edit Master text styles</a:t>
             </a:r>
           </a:p>
@@ -2481,35 +2481,35 @@
           <a:p>
             <a:pPr lvl="0"/>
             <a:r>
-              <a:rPr lang="en-US" smtClean="0"/>
+              <a:rPr lang="en-US"/>
               <a:t>Click to edit Master text styles</a:t>
             </a:r>
           </a:p>
           <a:p>
             <a:pPr lvl="1"/>
             <a:r>
-              <a:rPr lang="en-US" smtClean="0"/>
+              <a:rPr lang="en-US"/>
               <a:t>Second level</a:t>
             </a:r>
           </a:p>
           <a:p>
             <a:pPr lvl="2"/>
             <a:r>
-              <a:rPr lang="en-US" smtClean="0"/>
+              <a:rPr lang="en-US"/>
               <a:t>Third level</a:t>
             </a:r>
           </a:p>
           <a:p>
             <a:pPr lvl="3"/>
             <a:r>
-              <a:rPr lang="en-US" smtClean="0"/>
+              <a:rPr lang="en-US"/>
               <a:t>Fourth level</a:t>
             </a:r>
           </a:p>
           <a:p>
             <a:pPr lvl="4"/>
             <a:r>
-              <a:rPr lang="en-US" smtClean="0"/>
+              <a:rPr lang="en-US"/>
               <a:t>Fifth level</a:t>
             </a:r>
             <a:endParaRPr lang="mr-IN"/>
@@ -2533,7 +2533,7 @@
           <a:p>
             <a:fld id="{8B47E1FC-2026-4FC4-B443-8BCDB9308FB4}" type="datetimeFigureOut">
               <a:rPr lang="mr-IN" smtClean="0"/>
-              <a:t>11-03-2022</a:t>
+              <a:t>25-05-2024</a:t>
             </a:fld>
             <a:endParaRPr lang="mr-IN"/>
           </a:p>
@@ -2627,7 +2627,7 @@
           <a:lstStyle/>
           <a:p>
             <a:r>
-              <a:rPr lang="en-US" smtClean="0"/>
+              <a:rPr lang="en-US"/>
               <a:t>Click to edit Master title style</a:t>
             </a:r>
             <a:endParaRPr lang="mr-IN"/>
@@ -2651,7 +2651,7 @@
           <a:p>
             <a:fld id="{8B47E1FC-2026-4FC4-B443-8BCDB9308FB4}" type="datetimeFigureOut">
               <a:rPr lang="mr-IN" smtClean="0"/>
-              <a:t>11-03-2022</a:t>
+              <a:t>25-05-2024</a:t>
             </a:fld>
             <a:endParaRPr lang="mr-IN"/>
           </a:p>
@@ -2746,7 +2746,7 @@
           <a:p>
             <a:fld id="{8B47E1FC-2026-4FC4-B443-8BCDB9308FB4}" type="datetimeFigureOut">
               <a:rPr lang="mr-IN" smtClean="0"/>
-              <a:t>11-03-2022</a:t>
+              <a:t>25-05-2024</a:t>
             </a:fld>
             <a:endParaRPr lang="mr-IN"/>
           </a:p>
@@ -2849,7 +2849,7 @@
           </a:lstStyle>
           <a:p>
             <a:r>
-              <a:rPr lang="en-US" smtClean="0"/>
+              <a:rPr lang="en-US"/>
               <a:t>Click to edit Master title style</a:t>
             </a:r>
             <a:endParaRPr lang="mr-IN"/>
@@ -2906,35 +2906,35 @@
           <a:p>
             <a:pPr lvl="0"/>
             <a:r>
-              <a:rPr lang="en-US" smtClean="0"/>
+              <a:rPr lang="en-US"/>
               <a:t>Click to edit Master text styles</a:t>
             </a:r>
           </a:p>
           <a:p>
             <a:pPr lvl="1"/>
             <a:r>
-              <a:rPr lang="en-US" smtClean="0"/>
+              <a:rPr lang="en-US"/>
               <a:t>Second level</a:t>
             </a:r>
           </a:p>
           <a:p>
             <a:pPr lvl="2"/>
             <a:r>
-              <a:rPr lang="en-US" smtClean="0"/>
+              <a:rPr lang="en-US"/>
               <a:t>Third level</a:t>
             </a:r>
           </a:p>
           <a:p>
             <a:pPr lvl="3"/>
             <a:r>
-              <a:rPr lang="en-US" smtClean="0"/>
+              <a:rPr lang="en-US"/>
               <a:t>Fourth level</a:t>
             </a:r>
           </a:p>
           <a:p>
             <a:pPr lvl="4"/>
             <a:r>
-              <a:rPr lang="en-US" smtClean="0"/>
+              <a:rPr lang="en-US"/>
               <a:t>Fifth level</a:t>
             </a:r>
             <a:endParaRPr lang="mr-IN"/>
@@ -3000,7 +3000,7 @@
           <a:p>
             <a:pPr lvl="0"/>
             <a:r>
-              <a:rPr lang="en-US" smtClean="0"/>
+              <a:rPr lang="en-US"/>
               <a:t>Click to edit Master text styles</a:t>
             </a:r>
           </a:p>
@@ -3023,7 +3023,7 @@
           <a:p>
             <a:fld id="{8B47E1FC-2026-4FC4-B443-8BCDB9308FB4}" type="datetimeFigureOut">
               <a:rPr lang="mr-IN" smtClean="0"/>
-              <a:t>11-03-2022</a:t>
+              <a:t>25-05-2024</a:t>
             </a:fld>
             <a:endParaRPr lang="mr-IN"/>
           </a:p>
@@ -3126,7 +3126,7 @@
           </a:lstStyle>
           <a:p>
             <a:r>
-              <a:rPr lang="en-US" smtClean="0"/>
+              <a:rPr lang="en-US"/>
               <a:t>Click to edit Master title style</a:t>
             </a:r>
             <a:endParaRPr lang="mr-IN"/>
@@ -3253,7 +3253,7 @@
           <a:p>
             <a:pPr lvl="0"/>
             <a:r>
-              <a:rPr lang="en-US" smtClean="0"/>
+              <a:rPr lang="en-US"/>
               <a:t>Click to edit Master text styles</a:t>
             </a:r>
           </a:p>
@@ -3276,7 +3276,7 @@
           <a:p>
             <a:fld id="{8B47E1FC-2026-4FC4-B443-8BCDB9308FB4}" type="datetimeFigureOut">
               <a:rPr lang="mr-IN" smtClean="0"/>
-              <a:t>11-03-2022</a:t>
+              <a:t>25-05-2024</a:t>
             </a:fld>
             <a:endParaRPr lang="mr-IN"/>
           </a:p>
@@ -3385,7 +3385,7 @@
           <a:lstStyle/>
           <a:p>
             <a:r>
-              <a:rPr lang="en-US" smtClean="0"/>
+              <a:rPr lang="en-US"/>
               <a:t>Click to edit Master title style</a:t>
             </a:r>
             <a:endParaRPr lang="mr-IN"/>
@@ -3419,35 +3419,35 @@
           <a:p>
             <a:pPr lvl="0"/>
             <a:r>
-              <a:rPr lang="en-US" smtClean="0"/>
+              <a:rPr lang="en-US"/>
               <a:t>Click to edit Master text styles</a:t>
             </a:r>
           </a:p>
           <a:p>
             <a:pPr lvl="1"/>
             <a:r>
-              <a:rPr lang="en-US" smtClean="0"/>
+              <a:rPr lang="en-US"/>
               <a:t>Second level</a:t>
             </a:r>
           </a:p>
           <a:p>
             <a:pPr lvl="2"/>
             <a:r>
-              <a:rPr lang="en-US" smtClean="0"/>
+              <a:rPr lang="en-US"/>
               <a:t>Third level</a:t>
             </a:r>
           </a:p>
           <a:p>
             <a:pPr lvl="3"/>
             <a:r>
-              <a:rPr lang="en-US" smtClean="0"/>
+              <a:rPr lang="en-US"/>
               <a:t>Fourth level</a:t>
             </a:r>
           </a:p>
           <a:p>
             <a:pPr lvl="4"/>
             <a:r>
-              <a:rPr lang="en-US" smtClean="0"/>
+              <a:rPr lang="en-US"/>
               <a:t>Fifth level</a:t>
             </a:r>
             <a:endParaRPr lang="mr-IN"/>
@@ -3489,7 +3489,7 @@
           <a:p>
             <a:fld id="{8B47E1FC-2026-4FC4-B443-8BCDB9308FB4}" type="datetimeFigureOut">
               <a:rPr lang="mr-IN" smtClean="0"/>
-              <a:t>11-03-2022</a:t>
+              <a:t>25-05-2024</a:t>
             </a:fld>
             <a:endParaRPr lang="mr-IN"/>
           </a:p>
@@ -3917,7 +3917,7 @@
           <a:lstStyle/>
           <a:p>
             <a:r>
-              <a:rPr lang="en-US" dirty="0" smtClean="0"/>
+              <a:rPr lang="en-US" dirty="0"/>
               <a:t>Object Oriented Concepts</a:t>
             </a:r>
             <a:endParaRPr lang="mr-IN" dirty="0"/>
@@ -3946,22 +3946,22 @@
           <a:p>
             <a:pPr algn="l"/>
             <a:r>
-              <a:rPr lang="en-US" dirty="0" smtClean="0"/>
+              <a:rPr lang="en-US" dirty="0"/>
               <a:t>• Class &amp; Object</a:t>
             </a:r>
           </a:p>
           <a:p>
             <a:pPr algn="l"/>
             <a:r>
-              <a:rPr lang="en-US" dirty="0" smtClean="0"/>
+              <a:rPr lang="en-US" dirty="0"/>
               <a:t> • Access </a:t>
             </a:r>
             <a:r>
-              <a:rPr lang="en-US" dirty="0" err="1" smtClean="0"/>
+              <a:rPr lang="en-US" dirty="0" err="1"/>
               <a:t>Specifier</a:t>
             </a:r>
             <a:r>
-              <a:rPr lang="en-US" dirty="0" smtClean="0"/>
+              <a:rPr lang="en-US" dirty="0"/>
               <a:t> </a:t>
             </a:r>
           </a:p>
@@ -4023,7 +4023,7 @@
           <a:p>
             <a:pPr eaLnBrk="1" hangingPunct="1"/>
             <a:r>
-              <a:rPr lang="en-US" dirty="0" smtClean="0"/>
+              <a:rPr lang="en-US" dirty="0"/>
               <a:t>Constructor</a:t>
             </a:r>
           </a:p>
@@ -4052,13 +4052,13 @@
           <a:lstStyle/>
           <a:p>
             <a:r>
-              <a:rPr lang="en-US" dirty="0" smtClean="0"/>
+              <a:rPr lang="en-US" dirty="0"/>
               <a:t>A constructor is used to initialize a newly created object.</a:t>
             </a:r>
           </a:p>
           <a:p>
             <a:r>
-              <a:rPr lang="en-US" dirty="0" smtClean="0"/>
+              <a:rPr lang="en-US" dirty="0"/>
               <a:t>It is implicitly invoked just after the memory is allocated for the object using ‘new’ keyword.</a:t>
             </a:r>
           </a:p>
@@ -4068,7 +4068,7 @@
               <a:buChar char="§"/>
             </a:pPr>
             <a:r>
-              <a:rPr lang="en-US" dirty="0" smtClean="0"/>
+              <a:rPr lang="en-US" dirty="0"/>
               <a:t>It is a special method with same name as it’s class name.</a:t>
             </a:r>
           </a:p>
@@ -4078,7 +4078,7 @@
               <a:buChar char="§"/>
             </a:pPr>
             <a:r>
-              <a:rPr lang="en-US" dirty="0" smtClean="0"/>
+              <a:rPr lang="en-US" dirty="0"/>
               <a:t>No return type for constructor. Not even void.</a:t>
             </a:r>
           </a:p>
@@ -4088,7 +4088,7 @@
               <a:buChar char="§"/>
             </a:pPr>
             <a:r>
-              <a:rPr lang="en-US" dirty="0" smtClean="0"/>
+              <a:rPr lang="en-US" dirty="0"/>
               <a:t>A constructor without input parameter is default constructor.</a:t>
             </a:r>
           </a:p>
@@ -4098,7 +4098,7 @@
               <a:buChar char="§"/>
             </a:pPr>
             <a:r>
-              <a:rPr lang="en-US" dirty="0" smtClean="0"/>
+              <a:rPr lang="en-US" dirty="0"/>
               <a:t>Constructor can be overloaded. </a:t>
             </a:r>
           </a:p>
@@ -4114,13 +4114,6 @@
   <p:clrMapOvr>
     <a:masterClrMapping/>
   </p:clrMapOvr>
-  <p:timing>
-    <p:tnLst>
-      <p:par>
-        <p:cTn id="1" dur="indefinite" restart="never" nodeType="tmRoot"/>
-      </p:par>
-    </p:tnLst>
-  </p:timing>
 </p:sld>
 </file>
 
@@ -4158,58 +4151,52 @@
           <a:p>
             <a:r>
               <a:rPr lang="en-US" dirty="0"/>
-              <a:t>t</a:t>
-            </a:r>
-            <a:r>
-              <a:rPr lang="en-US" dirty="0" smtClean="0"/>
-              <a:t>his keyword </a:t>
-            </a:r>
+              <a:t>this keyword </a:t>
+            </a:r>
+          </a:p>
+        </p:txBody>
+      </p:sp>
+      <p:sp>
+        <p:nvSpPr>
+          <p:cNvPr id="3" name="Content Placeholder 2"/>
+          <p:cNvSpPr>
+            <a:spLocks noGrp="1"/>
+          </p:cNvSpPr>
+          <p:nvPr>
+            <p:ph idx="1"/>
+          </p:nvPr>
+        </p:nvSpPr>
+        <p:spPr/>
+        <p:txBody>
+          <a:bodyPr/>
+          <a:lstStyle/>
+          <a:p>
             <a:endParaRPr lang="en-US" dirty="0"/>
           </a:p>
-        </p:txBody>
-      </p:sp>
-      <p:sp>
-        <p:nvSpPr>
-          <p:cNvPr id="3" name="Content Placeholder 2"/>
-          <p:cNvSpPr>
-            <a:spLocks noGrp="1"/>
-          </p:cNvSpPr>
-          <p:nvPr>
-            <p:ph idx="1"/>
-          </p:nvPr>
-        </p:nvSpPr>
-        <p:spPr/>
-        <p:txBody>
-          <a:bodyPr/>
-          <a:lstStyle/>
-          <a:p>
-            <a:endParaRPr lang="en-US" dirty="0" smtClean="0"/>
-          </a:p>
-          <a:p>
-            <a:r>
-              <a:rPr lang="en-US" dirty="0" smtClean="0"/>
+          <a:p>
+            <a:r>
+              <a:rPr lang="en-US" dirty="0"/>
               <a:t>1. To unhide , instance variables from method local variables.(to resolve the conflict)</a:t>
             </a:r>
           </a:p>
           <a:p>
             <a:r>
-              <a:rPr lang="en-US" dirty="0" err="1" smtClean="0"/>
+              <a:rPr lang="en-US" dirty="0" err="1"/>
               <a:t>eg</a:t>
             </a:r>
             <a:r>
-              <a:rPr lang="en-US" dirty="0" smtClean="0"/>
+              <a:rPr lang="en-US" dirty="0"/>
               <a:t> : this.name=name;</a:t>
             </a:r>
           </a:p>
           <a:p>
-            <a:endParaRPr lang="en-US" dirty="0" smtClean="0"/>
-          </a:p>
-          <a:p>
-            <a:r>
-              <a:rPr lang="en-US" dirty="0" smtClean="0"/>
+            <a:endParaRPr lang="en-US" dirty="0"/>
+          </a:p>
+          <a:p>
+            <a:r>
+              <a:rPr lang="en-US" dirty="0"/>
               <a:t>2. To invoke the constructor ,  from another overloaded constructor in the same class.(constructor chaining , to avoid duplication)</a:t>
             </a:r>
-            <a:endParaRPr lang="en-US" dirty="0"/>
           </a:p>
         </p:txBody>
       </p:sp>
@@ -4266,7 +4253,7 @@
               <a:t>this</a:t>
             </a:r>
             <a:r>
-              <a:rPr lang="en-US" dirty="0" smtClean="0"/>
+              <a:rPr lang="en-US" dirty="0"/>
               <a:t> reference</a:t>
             </a:r>
           </a:p>
@@ -4291,7 +4278,7 @@
           <a:p>
             <a:pPr algn="just"/>
             <a:r>
-              <a:rPr lang="en-US" dirty="0" smtClean="0"/>
+              <a:rPr lang="en-US" dirty="0"/>
               <a:t>Every class member gets a hidden parameter: the ‘</a:t>
             </a:r>
             <a:r>
@@ -4302,7 +4289,7 @@
               <a:t>this</a:t>
             </a:r>
             <a:r>
-              <a:rPr lang="en-US" dirty="0" smtClean="0"/>
+              <a:rPr lang="en-US" dirty="0"/>
               <a:t>’ reference.</a:t>
             </a:r>
           </a:p>
@@ -4316,7 +4303,7 @@
               <a:t>‘this’ </a:t>
             </a:r>
             <a:r>
-              <a:rPr lang="en-US" dirty="0" smtClean="0"/>
+              <a:rPr lang="en-US" dirty="0"/>
               <a:t>is a keyword in Java.</a:t>
             </a:r>
           </a:p>
@@ -4330,7 +4317,7 @@
               <a:t>‘this’</a:t>
             </a:r>
             <a:r>
-              <a:rPr lang="en-US" dirty="0" smtClean="0"/>
+              <a:rPr lang="en-US" dirty="0"/>
               <a:t> points to the current object.</a:t>
             </a:r>
           </a:p>
@@ -4344,14 +4331,14 @@
               <a:t>‘this’ </a:t>
             </a:r>
             <a:r>
-              <a:rPr lang="en-US" dirty="0" smtClean="0"/>
+              <a:rPr lang="en-US" dirty="0"/>
               <a:t>always holds address of an object which  invokes the member  function.</a:t>
             </a:r>
           </a:p>
           <a:p>
             <a:pPr algn="just"/>
             <a:r>
-              <a:rPr lang="en-US" dirty="0" smtClean="0"/>
+              <a:rPr lang="en-US" dirty="0"/>
               <a:t>Why </a:t>
             </a:r>
             <a:r>
@@ -4362,28 +4349,28 @@
               <a:t>‘this’</a:t>
             </a:r>
             <a:r>
-              <a:rPr lang="en-US" dirty="0" smtClean="0"/>
+              <a:rPr lang="en-US" dirty="0"/>
               <a:t>?</a:t>
             </a:r>
           </a:p>
           <a:p>
             <a:pPr lvl="1" algn="just"/>
             <a:r>
-              <a:rPr lang="en-US" dirty="0" smtClean="0"/>
+              <a:rPr lang="en-US" dirty="0"/>
               <a:t>access current object.</a:t>
             </a:r>
           </a:p>
           <a:p>
             <a:pPr lvl="1" algn="just"/>
             <a:r>
-              <a:rPr lang="en-US" dirty="0" smtClean="0"/>
+              <a:rPr lang="en-US" dirty="0"/>
               <a:t>call the constructor of the same class.//constructor chaining</a:t>
             </a:r>
           </a:p>
           <a:p>
             <a:pPr lvl="1" algn="just"/>
             <a:r>
-              <a:rPr lang="en-US" dirty="0" smtClean="0"/>
+              <a:rPr lang="en-US" dirty="0"/>
               <a:t>remove shadowing of instance fields.</a:t>
             </a:r>
           </a:p>
@@ -4399,13 +4386,6 @@
   <p:clrMapOvr>
     <a:masterClrMapping/>
   </p:clrMapOvr>
-  <p:timing>
-    <p:tnLst>
-      <p:par>
-        <p:cTn id="1" dur="indefinite" restart="never" nodeType="tmRoot"/>
-      </p:par>
-    </p:tnLst>
-  </p:timing>
 </p:sld>
 </file>
 
@@ -4449,10 +4429,9 @@
               <a:t>this</a:t>
             </a:r>
             <a:r>
-              <a:rPr lang="en-US" dirty="0" smtClean="0"/>
+              <a:rPr lang="en-US" dirty="0"/>
               <a:t> reference</a:t>
             </a:r>
-            <a:endParaRPr lang="en-US" dirty="0"/>
           </a:p>
         </p:txBody>
       </p:sp>
@@ -5180,13 +5159,6 @@
   <p:clrMapOvr>
     <a:masterClrMapping/>
   </p:clrMapOvr>
-  <p:timing>
-    <p:tnLst>
-      <p:par>
-        <p:cTn id="1" dur="indefinite" restart="never" nodeType="tmRoot"/>
-      </p:par>
-    </p:tnLst>
-  </p:timing>
 </p:sld>
 </file>
 
@@ -5363,10 +5335,9 @@
           <a:lstStyle/>
           <a:p>
             <a:r>
-              <a:rPr lang="en-US" dirty="0" smtClean="0"/>
+              <a:rPr lang="en-US" dirty="0"/>
               <a:t>Variables in Java</a:t>
             </a:r>
-            <a:endParaRPr lang="en-US" dirty="0"/>
           </a:p>
         </p:txBody>
       </p:sp>
@@ -5388,64 +5359,63 @@
           <a:lstStyle/>
           <a:p>
             <a:r>
-              <a:rPr lang="en-US" dirty="0" smtClean="0"/>
+              <a:rPr lang="en-US" dirty="0"/>
               <a:t>Class Variables</a:t>
             </a:r>
           </a:p>
           <a:p>
             <a:pPr lvl="1"/>
             <a:r>
-              <a:rPr lang="en-US" dirty="0" smtClean="0"/>
+              <a:rPr lang="en-US" dirty="0"/>
               <a:t>Copy created per class</a:t>
             </a:r>
           </a:p>
           <a:p>
             <a:pPr lvl="2"/>
             <a:r>
-              <a:rPr lang="en-US" dirty="0" smtClean="0"/>
+              <a:rPr lang="en-US" dirty="0"/>
               <a:t>static variables</a:t>
             </a:r>
           </a:p>
           <a:p>
             <a:r>
-              <a:rPr lang="en-US" dirty="0" smtClean="0"/>
+              <a:rPr lang="en-US" dirty="0"/>
               <a:t>Instance Variables</a:t>
             </a:r>
           </a:p>
           <a:p>
             <a:pPr lvl="1"/>
             <a:r>
-              <a:rPr lang="en-US" dirty="0" smtClean="0"/>
+              <a:rPr lang="en-US" dirty="0"/>
               <a:t>Copy created per instance of the class.</a:t>
             </a:r>
           </a:p>
           <a:p>
             <a:r>
-              <a:rPr lang="en-US" dirty="0" smtClean="0"/>
+              <a:rPr lang="en-US" dirty="0"/>
               <a:t>Local Variable</a:t>
             </a:r>
           </a:p>
           <a:p>
             <a:pPr lvl="1"/>
             <a:r>
-              <a:rPr lang="en-US" dirty="0" smtClean="0"/>
+              <a:rPr lang="en-US" dirty="0"/>
               <a:t>Occur within a method and blocks</a:t>
             </a:r>
           </a:p>
           <a:p>
             <a:pPr lvl="1"/>
             <a:r>
-              <a:rPr lang="en-US" dirty="0" smtClean="0"/>
+              <a:rPr lang="en-US" dirty="0"/>
               <a:t>Copy created per method call</a:t>
             </a:r>
           </a:p>
           <a:p>
             <a:pPr lvl="2"/>
             <a:r>
-              <a:rPr lang="en-US" dirty="0" smtClean="0"/>
+              <a:rPr lang="en-US" dirty="0"/>
               <a:t>If used ,must be initialized or compiler complains</a:t>
             </a:r>
-            <a:endParaRPr lang="en-US" dirty="0"/>
           </a:p>
         </p:txBody>
       </p:sp>
@@ -5504,7 +5474,7 @@
               <a:buChar char="§"/>
             </a:pPr>
             <a:r>
-              <a:rPr dirty="0" err="1" smtClean="0"/>
+              <a:rPr dirty="0" err="1"/>
               <a:t>Accessor</a:t>
             </a:r>
             <a:r>
@@ -5512,16 +5482,12 @@
               <a:t> </a:t>
             </a:r>
             <a:r>
-              <a:rPr lang="en-US" dirty="0" smtClean="0"/>
+              <a:rPr lang="en-US" dirty="0"/>
               <a:t>/getters</a:t>
             </a:r>
             <a:r>
-              <a:rPr dirty="0" smtClean="0"/>
-              <a:t> methods </a:t>
-            </a:r>
-            <a:r>
               <a:rPr dirty="0"/>
-              <a:t>merely access instance fields/variables.</a:t>
+              <a:t> methods merely access instance fields/variables.</a:t>
             </a:r>
           </a:p>
           <a:p>
@@ -5531,11 +5497,7 @@
             </a:pPr>
             <a:r>
               <a:rPr dirty="0"/>
-              <a:t>e.g</a:t>
-            </a:r>
-            <a:r>
-              <a:rPr dirty="0" smtClean="0"/>
-              <a:t>.   </a:t>
+              <a:t>e.g.   </a:t>
             </a:r>
             <a:r>
               <a:rPr dirty="0" err="1"/>
@@ -5580,15 +5542,13 @@
               <a:t>Mutator</a:t>
             </a:r>
             <a:r>
-              <a:rPr/>
               <a:t> </a:t>
             </a:r>
             <a:r>
-              <a:rPr lang="en-US" smtClean="0"/>
+              <a:rPr lang="en-US"/>
               <a:t>/setters</a:t>
             </a:r>
             <a:r>
-              <a:rPr smtClean="0"/>
               <a:t> </a:t>
             </a:r>
             <a:r>
@@ -5603,11 +5563,7 @@
             </a:pPr>
             <a:r>
               <a:rPr dirty="0"/>
-              <a:t>e.g</a:t>
-            </a:r>
-            <a:r>
-              <a:rPr dirty="0" smtClean="0"/>
-              <a:t>. </a:t>
+              <a:t>e.g. </a:t>
             </a:r>
             <a:r>
               <a:rPr dirty="0" err="1"/>
@@ -5615,13 +5571,8 @@
             </a:r>
             <a:r>
               <a:rPr dirty="0"/>
-              <a:t>(…) </a:t>
-            </a:r>
-            <a:r>
-              <a:rPr dirty="0" smtClean="0"/>
-              <a:t>methods</a:t>
-            </a:r>
-            <a:endParaRPr dirty="0"/>
+              <a:t>(…) methods</a:t>
+            </a:r>
           </a:p>
         </p:txBody>
       </p:sp>
@@ -5647,7 +5598,7 @@
           <a:p>
             <a:pPr eaLnBrk="1" hangingPunct="1"/>
             <a:r>
-              <a:rPr lang="en-US" dirty="0" smtClean="0"/>
+              <a:rPr lang="en-US" dirty="0"/>
               <a:t>Accessor and Mutator Methods</a:t>
             </a:r>
           </a:p>
@@ -5875,13 +5826,6 @@
   <p:clrMapOvr>
     <a:masterClrMapping/>
   </p:clrMapOvr>
-  <p:timing>
-    <p:tnLst>
-      <p:par>
-        <p:cTn id="1" dur="indefinite" restart="never" nodeType="tmRoot"/>
-      </p:par>
-    </p:tnLst>
-  </p:timing>
 </p:sld>
 </file>
 
@@ -5925,7 +5869,7 @@
               <a:t>static </a:t>
             </a:r>
             <a:r>
-              <a:rPr lang="en-US" dirty="0" smtClean="0"/>
+              <a:rPr lang="en-US" dirty="0"/>
               <a:t>Variable</a:t>
             </a:r>
           </a:p>
@@ -5948,57 +5892,57 @@
           <a:p>
             <a:pPr algn="just"/>
             <a:r>
-              <a:rPr lang="en-US" dirty="0" smtClean="0"/>
+              <a:rPr lang="en-US" dirty="0"/>
               <a:t>Some characteristics or behaviors belong to the class rather than a specific instance</a:t>
             </a:r>
           </a:p>
           <a:p>
             <a:pPr lvl="1"/>
             <a:r>
-              <a:rPr lang="en-US" dirty="0" err="1" smtClean="0">
+              <a:rPr lang="en-US" dirty="0" err="1">
                 <a:latin typeface="Courier New" pitchFamily="49" charset="0"/>
                 <a:cs typeface="Courier New" pitchFamily="49" charset="0"/>
               </a:rPr>
               <a:t>interestRate</a:t>
             </a:r>
             <a:r>
-              <a:rPr lang="en-US" dirty="0" err="1" smtClean="0"/>
+              <a:rPr lang="en-US" dirty="0" err="1"/>
               <a:t>,</a:t>
             </a:r>
             <a:r>
-              <a:rPr lang="en-US" dirty="0" err="1" smtClean="0">
+              <a:rPr lang="en-US" dirty="0" err="1">
                 <a:latin typeface="Courier New" pitchFamily="49" charset="0"/>
                 <a:cs typeface="Courier New" pitchFamily="49" charset="0"/>
               </a:rPr>
               <a:t>calculateInterest</a:t>
             </a:r>
             <a:r>
-              <a:rPr lang="en-US" dirty="0" smtClean="0"/>
+              <a:rPr lang="en-US" dirty="0"/>
               <a:t> method for a </a:t>
             </a:r>
             <a:r>
-              <a:rPr lang="en-US" dirty="0" smtClean="0">
+              <a:rPr lang="en-US" dirty="0">
                 <a:latin typeface="Courier New" pitchFamily="49" charset="0"/>
                 <a:cs typeface="Courier New" pitchFamily="49" charset="0"/>
               </a:rPr>
               <a:t>savingsAccount</a:t>
             </a:r>
             <a:r>
-              <a:rPr lang="en-US" dirty="0" smtClean="0"/>
+              <a:rPr lang="en-US" dirty="0"/>
               <a:t> class.</a:t>
             </a:r>
           </a:p>
           <a:p>
             <a:pPr lvl="1" algn="just"/>
             <a:r>
-              <a:rPr lang="en-US" dirty="0" smtClean="0">
+              <a:rPr lang="en-US" dirty="0">
                 <a:latin typeface="Courier New" pitchFamily="49" charset="0"/>
                 <a:cs typeface="Courier New" pitchFamily="49" charset="0"/>
               </a:rPr>
               <a:t>count</a:t>
             </a:r>
             <a:r>
-              <a:rPr lang="en-US" dirty="0" smtClean="0"/>
+              <a:rPr lang="en-US" dirty="0"/>
               <a:t> variable in Employee to count the number of objects.</a:t>
             </a:r>
           </a:p>
@@ -6009,14 +5953,14 @@
           <a:p>
             <a:pPr algn="just"/>
             <a:r>
-              <a:rPr lang="en-US" dirty="0" smtClean="0"/>
+              <a:rPr lang="en-US" dirty="0"/>
               <a:t>Such data members are static for all instances.</a:t>
             </a:r>
           </a:p>
           <a:p>
             <a:pPr lvl="1" algn="just"/>
             <a:r>
-              <a:rPr lang="en-US" dirty="0" smtClean="0"/>
+              <a:rPr lang="en-US" dirty="0"/>
               <a:t>Change in static variable value affects all instances.</a:t>
             </a:r>
           </a:p>
@@ -6033,13 +5977,6 @@
     <a:masterClrMapping/>
   </p:clrMapOvr>
   <p:transition/>
-  <p:timing>
-    <p:tnLst>
-      <p:par>
-        <p:cTn id="1" dur="indefinite" restart="never" nodeType="tmRoot"/>
-      </p:par>
-    </p:tnLst>
-  </p:timing>
 </p:sld>
 </file>
 
@@ -6083,7 +6020,7 @@
               <a:t>static</a:t>
             </a:r>
             <a:r>
-              <a:rPr lang="en-US" dirty="0" smtClean="0"/>
+              <a:rPr lang="en-US" dirty="0"/>
               <a:t> Variables in Memory</a:t>
             </a:r>
             <a:endParaRPr lang="en-US" sz="2400" dirty="0">
@@ -6169,13 +6106,6 @@
   <p:clrMapOvr>
     <a:masterClrMapping/>
   </p:clrMapOvr>
-  <p:timing>
-    <p:tnLst>
-      <p:par>
-        <p:cTn id="1" dur="indefinite" restart="never" nodeType="tmRoot"/>
-      </p:par>
-    </p:tnLst>
-  </p:timing>
 </p:sld>
 </file>
 
@@ -6219,7 +6149,7 @@
               <a:t>static</a:t>
             </a:r>
             <a:r>
-              <a:rPr lang="en-US" dirty="0" smtClean="0"/>
+              <a:rPr lang="en-US" dirty="0"/>
               <a:t> Method</a:t>
             </a:r>
           </a:p>
@@ -6258,7 +6188,7 @@
               <a:t>static</a:t>
             </a:r>
             <a:r>
-              <a:rPr lang="en-US" dirty="0" smtClean="0"/>
+              <a:rPr lang="en-US" dirty="0"/>
               <a:t> method can access static data members only.</a:t>
             </a:r>
           </a:p>
@@ -6274,7 +6204,7 @@
               <a:t>static</a:t>
             </a:r>
             <a:r>
-              <a:rPr lang="en-US" dirty="0" smtClean="0"/>
+              <a:rPr lang="en-US" dirty="0"/>
               <a:t> method is invoked using class name.</a:t>
             </a:r>
           </a:p>
@@ -6284,7 +6214,7 @@
               <a:buChar char="§"/>
             </a:pPr>
             <a:r>
-              <a:rPr lang="en-US" dirty="0" smtClean="0"/>
+              <a:rPr lang="en-US" dirty="0"/>
               <a:t> </a:t>
             </a:r>
             <a:r>
@@ -6300,11 +6230,11 @@
               <a:buChar char="§"/>
             </a:pPr>
             <a:r>
-              <a:rPr lang="en-US" dirty="0" smtClean="0"/>
+              <a:rPr lang="en-US" dirty="0"/>
               <a:t>Reference </a:t>
             </a:r>
             <a:r>
-              <a:rPr lang="en-US" dirty="0" smtClean="0">
+              <a:rPr lang="en-US" dirty="0">
                 <a:latin typeface="Courier New" pitchFamily="49" charset="0"/>
               </a:rPr>
               <a:t>‘</a:t>
@@ -6316,13 +6246,13 @@
               <a:t>this</a:t>
             </a:r>
             <a:r>
-              <a:rPr lang="en-US" dirty="0" smtClean="0">
+              <a:rPr lang="en-US" dirty="0">
                 <a:latin typeface="Courier New" pitchFamily="49" charset="0"/>
               </a:rPr>
               <a:t>’</a:t>
             </a:r>
             <a:r>
-              <a:rPr lang="en-US" dirty="0" smtClean="0"/>
+              <a:rPr lang="en-US" dirty="0"/>
               <a:t> is never passed to a </a:t>
             </a:r>
             <a:r>
@@ -6332,13 +6262,13 @@
               <a:t>static</a:t>
             </a:r>
             <a:r>
-              <a:rPr lang="en-US" dirty="0" smtClean="0">
+              <a:rPr lang="en-US" dirty="0">
                 <a:latin typeface="Courier New" pitchFamily="49" charset="0"/>
               </a:rPr>
               <a:t> </a:t>
             </a:r>
             <a:r>
-              <a:rPr lang="en-US" dirty="0" smtClean="0"/>
+              <a:rPr lang="en-US" dirty="0"/>
               <a:t>method.</a:t>
             </a:r>
           </a:p>
@@ -6354,13 +6284,6 @@
   <p:clrMapOvr>
     <a:masterClrMapping/>
   </p:clrMapOvr>
-  <p:timing>
-    <p:tnLst>
-      <p:par>
-        <p:cTn id="1" dur="indefinite" restart="never" nodeType="tmRoot"/>
-      </p:par>
-    </p:tnLst>
-  </p:timing>
 </p:sld>
 </file>
 
@@ -6397,7 +6320,7 @@
           <a:lstStyle/>
           <a:p>
             <a:r>
-              <a:rPr lang="en-US" dirty="0" smtClean="0"/>
+              <a:rPr lang="en-US" dirty="0"/>
               <a:t>OOPS</a:t>
             </a:r>
             <a:endParaRPr lang="mr-IN" dirty="0"/>
@@ -6427,11 +6350,7 @@
             </a:r>
             <a:r>
               <a:rPr lang="en-US" dirty="0"/>
-              <a:t> means a real-world entity such as a pen, chair, table, computer, watch, etc</a:t>
-            </a:r>
-            <a:r>
-              <a:rPr lang="en-US" dirty="0" smtClean="0"/>
-              <a:t>.</a:t>
+              <a:t> means a real-world entity such as a pen, chair, table, computer, watch, etc.</a:t>
             </a:r>
           </a:p>
           <a:p>
@@ -6447,61 +6366,50 @@
               <a:rPr lang="en-US" dirty="0"/>
               <a:t> is a methodology or </a:t>
             </a:r>
-            <a:endParaRPr lang="en-US" dirty="0" smtClean="0"/>
-          </a:p>
-          <a:p>
-            <a:r>
-              <a:rPr lang="en-US" dirty="0" smtClean="0"/>
-              <a:t>paradigm </a:t>
-            </a:r>
-            <a:r>
-              <a:rPr lang="en-US" dirty="0"/>
-              <a:t>to design a program using classes and objects. </a:t>
-            </a:r>
-            <a:endParaRPr lang="en-US" dirty="0" smtClean="0"/>
-          </a:p>
-          <a:p>
-            <a:r>
-              <a:rPr lang="en-US" dirty="0" smtClean="0"/>
-              <a:t>It </a:t>
-            </a:r>
-            <a:r>
-              <a:rPr lang="en-US" dirty="0"/>
-              <a:t>simplifies software development and maintenance by providing some concepts:</a:t>
-            </a:r>
-            <a:endParaRPr lang="en-US" dirty="0" smtClean="0"/>
-          </a:p>
-          <a:p>
-            <a:r>
-              <a:rPr lang="en-US" dirty="0" smtClean="0"/>
+          </a:p>
+          <a:p>
+            <a:r>
+              <a:rPr lang="en-US" dirty="0"/>
+              <a:t>paradigm to design a program using classes and objects. </a:t>
+            </a:r>
+          </a:p>
+          <a:p>
+            <a:r>
+              <a:rPr lang="en-US" dirty="0"/>
+              <a:t>It simplifies software development and maintenance by providing some concepts:</a:t>
+            </a:r>
+          </a:p>
+          <a:p>
+            <a:r>
+              <a:rPr lang="en-US" dirty="0"/>
               <a:t>Key concepts of object-oriented programming are:</a:t>
             </a:r>
           </a:p>
           <a:p>
             <a:pPr lvl="1"/>
             <a:r>
-              <a:rPr lang="en-US" dirty="0" smtClean="0"/>
+              <a:rPr lang="en-US" dirty="0"/>
               <a:t>Abstraction</a:t>
             </a:r>
           </a:p>
           <a:p>
             <a:pPr lvl="1"/>
             <a:r>
-              <a:rPr lang="en-US" dirty="0" smtClean="0"/>
+              <a:rPr lang="en-US" dirty="0"/>
               <a:t>Encapsulation</a:t>
             </a:r>
           </a:p>
           <a:p>
             <a:pPr lvl="1"/>
             <a:r>
-              <a:rPr lang="en-US" dirty="0" smtClean="0"/>
+              <a:rPr lang="en-US" dirty="0"/>
               <a:t>Inheritance</a:t>
             </a:r>
           </a:p>
           <a:p>
             <a:pPr lvl="1"/>
             <a:r>
-              <a:rPr lang="en-US" dirty="0" smtClean="0"/>
+              <a:rPr lang="en-US" dirty="0"/>
               <a:t>Polymorphism</a:t>
             </a:r>
           </a:p>
@@ -6563,10 +6471,9 @@
               <a:t>static</a:t>
             </a:r>
             <a:r>
-              <a:rPr lang="en-US" dirty="0" smtClean="0"/>
+              <a:rPr lang="en-US" dirty="0"/>
               <a:t> Method</a:t>
             </a:r>
-            <a:endParaRPr lang="en-US" dirty="0"/>
           </a:p>
         </p:txBody>
       </p:sp>
@@ -6974,7 +6881,7 @@
         </p:nvSpPr>
         <p:spPr>
           <a:xfrm>
-            <a:off x="4495800" y="2971800"/>
+            <a:off x="4572000" y="3124200"/>
             <a:ext cx="5715000" cy="3276600"/>
           </a:xfrm>
           <a:prstGeom prst="roundRect">
@@ -7309,13 +7216,6 @@
   <p:clrMapOvr>
     <a:masterClrMapping/>
   </p:clrMapOvr>
-  <p:timing>
-    <p:tnLst>
-      <p:par>
-        <p:cTn id="1" dur="indefinite" restart="never" nodeType="tmRoot"/>
-      </p:par>
-    </p:tnLst>
-  </p:timing>
 </p:sld>
 </file>
 
@@ -7395,28 +7295,28 @@
               <a:t>main()</a:t>
             </a:r>
             <a:r>
-              <a:rPr lang="en-US" dirty="0" smtClean="0"/>
+              <a:rPr lang="en-US" dirty="0"/>
               <a:t> is static method and called before instantiation of the class.</a:t>
             </a:r>
           </a:p>
           <a:p>
             <a:pPr algn="just"/>
             <a:r>
-              <a:rPr lang="en-US" dirty="0" smtClean="0"/>
+              <a:rPr lang="en-US" dirty="0"/>
               <a:t>Since it is static, it is automatically invoked by the startup code.</a:t>
             </a:r>
           </a:p>
           <a:p>
             <a:pPr algn="just"/>
             <a:r>
-              <a:rPr lang="en-US" dirty="0" smtClean="0"/>
+              <a:rPr lang="en-US" dirty="0"/>
               <a:t>It is the entry point of a class.</a:t>
             </a:r>
           </a:p>
           <a:p>
             <a:pPr algn="just"/>
             <a:r>
-              <a:rPr lang="en-US" dirty="0" smtClean="0"/>
+              <a:rPr lang="en-US" dirty="0"/>
               <a:t>Loader will load the class and search for main method to enter into class, so </a:t>
             </a:r>
             <a:r>
@@ -7427,14 +7327,14 @@
               <a:t>main()is </a:t>
             </a:r>
             <a:r>
-              <a:rPr lang="en-US" dirty="0" smtClean="0"/>
+              <a:rPr lang="en-US" dirty="0"/>
               <a:t>declared as static.</a:t>
             </a:r>
           </a:p>
           <a:p>
             <a:pPr algn="just"/>
             <a:r>
-              <a:rPr lang="en-US" dirty="0" smtClean="0"/>
+              <a:rPr lang="en-US" dirty="0"/>
               <a:t>So, </a:t>
             </a:r>
             <a:r>
@@ -7457,13 +7357,6 @@
   <p:clrMapOvr>
     <a:masterClrMapping/>
   </p:clrMapOvr>
-  <p:timing>
-    <p:tnLst>
-      <p:par>
-        <p:cTn id="1" dur="indefinite" restart="never" nodeType="tmRoot"/>
-      </p:par>
-    </p:tnLst>
-  </p:timing>
 </p:sld>
 </file>
 
@@ -7500,17 +7393,16 @@
           <a:lstStyle/>
           <a:p>
             <a:r>
-              <a:rPr lang="en-US" sz="2800" dirty="0" smtClean="0">
+              <a:rPr lang="en-US" sz="2800" dirty="0">
                 <a:latin typeface="Courier New" pitchFamily="49" charset="0"/>
                 <a:cs typeface="Courier New" pitchFamily="49" charset="0"/>
               </a:rPr>
               <a:t>static </a:t>
             </a:r>
             <a:r>
-              <a:rPr lang="en-US" dirty="0" smtClean="0"/>
+              <a:rPr lang="en-US" dirty="0"/>
               <a:t>initialization blocks</a:t>
             </a:r>
-            <a:endParaRPr lang="en-US" dirty="0"/>
           </a:p>
         </p:txBody>
       </p:sp>
@@ -7536,14 +7428,14 @@
           <a:p>
             <a:pPr algn="just"/>
             <a:r>
-              <a:rPr lang="en-US" dirty="0" smtClean="0"/>
+              <a:rPr lang="en-US" dirty="0"/>
               <a:t>Arbitrary blocks of code.</a:t>
             </a:r>
           </a:p>
           <a:p>
             <a:pPr algn="just"/>
             <a:r>
-              <a:rPr lang="en-US" dirty="0" smtClean="0"/>
+              <a:rPr lang="en-US" dirty="0"/>
               <a:t>Executed before </a:t>
             </a:r>
             <a:r>
@@ -7554,28 +7446,28 @@
               <a:t>main()</a:t>
             </a:r>
             <a:r>
-              <a:rPr lang="en-US" dirty="0" smtClean="0"/>
+              <a:rPr lang="en-US" dirty="0"/>
               <a:t> when class is loaded.</a:t>
             </a:r>
           </a:p>
           <a:p>
             <a:pPr algn="just"/>
             <a:r>
-              <a:rPr lang="en-US" dirty="0" smtClean="0"/>
+              <a:rPr lang="en-US" dirty="0"/>
               <a:t>Used for initializing static variables.</a:t>
             </a:r>
           </a:p>
           <a:p>
             <a:pPr algn="just"/>
             <a:r>
-              <a:rPr lang="en-US" dirty="0" smtClean="0"/>
+              <a:rPr lang="en-US" dirty="0"/>
               <a:t>A class can have more than one static blocks.</a:t>
             </a:r>
           </a:p>
           <a:p>
             <a:pPr algn="just"/>
             <a:r>
-              <a:rPr lang="en-US" dirty="0" smtClean="0"/>
+              <a:rPr lang="en-US" dirty="0"/>
               <a:t>If more than one static blocks exists in a program then called in the order they appear in the source code.</a:t>
             </a:r>
           </a:p>
@@ -7801,13 +7693,6 @@
   <p:clrMapOvr>
     <a:masterClrMapping/>
   </p:clrMapOvr>
-  <p:timing>
-    <p:tnLst>
-      <p:par>
-        <p:cTn id="1" dur="indefinite" restart="never" nodeType="tmRoot"/>
-      </p:par>
-    </p:tnLst>
-  </p:timing>
 </p:sld>
 </file>
 
@@ -7844,7 +7729,7 @@
           <a:lstStyle/>
           <a:p>
             <a:r>
-              <a:rPr lang="en-US" dirty="0" smtClean="0"/>
+              <a:rPr lang="en-US" dirty="0"/>
               <a:t>Abstraction</a:t>
             </a:r>
             <a:endParaRPr lang="mr-IN" dirty="0"/>
@@ -7872,7 +7757,7 @@
               </a:spcBef>
             </a:pPr>
             <a:r>
-              <a:rPr lang="en-US" dirty="0" smtClean="0"/>
+              <a:rPr lang="en-US" dirty="0"/>
               <a:t>Abstraction is the process of identifying the key aspects of an entity and ignoring the rest.</a:t>
             </a:r>
           </a:p>
@@ -7883,7 +7768,7 @@
               </a:spcBef>
             </a:pPr>
             <a:r>
-              <a:rPr lang="en-US" dirty="0" smtClean="0"/>
+              <a:rPr lang="en-US" dirty="0"/>
               <a:t>Only those aspects are selected that are important to the current problem scenario.</a:t>
             </a:r>
           </a:p>
@@ -7901,7 +7786,6 @@
               <a:rPr lang="en-US" dirty="0"/>
               <a:t> is known as abstraction. </a:t>
             </a:r>
-            <a:endParaRPr lang="en-US" dirty="0" smtClean="0"/>
           </a:p>
           <a:p>
             <a:pPr algn="just">
@@ -7910,14 +7794,9 @@
               </a:spcBef>
             </a:pPr>
             <a:r>
-              <a:rPr lang="en-US" dirty="0" smtClean="0"/>
-              <a:t>For </a:t>
-            </a:r>
-            <a:r>
-              <a:rPr lang="en-US" dirty="0"/>
-              <a:t>example phone call, we don't know the internal processing.</a:t>
-            </a:r>
-            <a:endParaRPr lang="en-US" dirty="0" smtClean="0"/>
+              <a:rPr lang="en-US" dirty="0"/>
+              <a:t>For example phone call, we don't know the internal processing.</a:t>
+            </a:r>
           </a:p>
           <a:p>
             <a:endParaRPr lang="mr-IN" dirty="0"/>
@@ -7970,7 +7849,7 @@
           <a:lstStyle/>
           <a:p>
             <a:r>
-              <a:rPr lang="en-US" dirty="0" smtClean="0"/>
+              <a:rPr lang="en-US" dirty="0"/>
               <a:t>Encapsulation</a:t>
             </a:r>
             <a:endParaRPr lang="mr-IN" dirty="0"/>
@@ -7993,27 +7872,27 @@
           <a:lstStyle/>
           <a:p>
             <a:r>
-              <a:rPr lang="en-US" sz="2600" dirty="0" smtClean="0"/>
+              <a:rPr lang="en-US" sz="2600" dirty="0"/>
               <a:t>Encapsulation is a mechanism used to hide the data,</a:t>
             </a:r>
           </a:p>
           <a:p>
             <a:r>
-              <a:rPr lang="en-US" sz="2600" dirty="0" smtClean="0"/>
+              <a:rPr lang="en-US" sz="2600" dirty="0"/>
               <a:t> internal structure and implementation details of an object.</a:t>
             </a:r>
           </a:p>
           <a:p>
-            <a:endParaRPr lang="en-US" sz="2600" dirty="0" smtClean="0"/>
-          </a:p>
-          <a:p>
-            <a:r>
-              <a:rPr lang="en-US" sz="2600" dirty="0" smtClean="0"/>
+            <a:endParaRPr lang="en-US" sz="2600" dirty="0"/>
+          </a:p>
+          <a:p>
+            <a:r>
+              <a:rPr lang="en-US" sz="2600" dirty="0"/>
               <a:t>All interaction with the object is through public interface of operations.</a:t>
             </a:r>
           </a:p>
           <a:p>
-            <a:endParaRPr lang="en-US" sz="2600" dirty="0" smtClean="0"/>
+            <a:endParaRPr lang="en-US" sz="2600" dirty="0"/>
           </a:p>
           <a:p>
             <a:pPr marL="342900" lvl="1" indent="-342900" algn="just">
@@ -8022,7 +7901,7 @@
               <a:buChar char="§"/>
             </a:pPr>
             <a:r>
-              <a:rPr lang="en-US" dirty="0" smtClean="0"/>
+              <a:rPr lang="en-US" dirty="0"/>
               <a:t>The user knows only about the interface; </a:t>
             </a:r>
           </a:p>
@@ -8033,7 +7912,7 @@
               <a:buChar char="§"/>
             </a:pPr>
             <a:r>
-              <a:rPr lang="en-US" dirty="0" smtClean="0"/>
+              <a:rPr lang="en-US" dirty="0"/>
               <a:t>any changes to the implementation does not affect the user.</a:t>
             </a:r>
           </a:p>
@@ -8088,11 +7967,11 @@
           <a:lstStyle/>
           <a:p>
             <a:r>
-              <a:rPr lang="en-US" dirty="0" smtClean="0"/>
+              <a:rPr lang="en-US" dirty="0"/>
               <a:t>Class</a:t>
             </a:r>
             <a:br>
-              <a:rPr lang="en-US" dirty="0" smtClean="0"/>
+              <a:rPr lang="en-US" dirty="0"/>
             </a:br>
             <a:endParaRPr lang="en-US" dirty="0"/>
           </a:p>
@@ -8113,23 +7992,23 @@
           <a:bodyPr/>
           <a:lstStyle/>
           <a:p>
-            <a:endParaRPr lang="en-US" dirty="0" smtClean="0"/>
-          </a:p>
-          <a:p>
-            <a:r>
-              <a:rPr lang="en-US" dirty="0" smtClean="0"/>
+            <a:endParaRPr lang="en-US" dirty="0"/>
+          </a:p>
+          <a:p>
+            <a:r>
+              <a:rPr lang="en-US" dirty="0"/>
               <a:t>A class is a user defined blueprint or prototype from which objects are created.</a:t>
             </a:r>
           </a:p>
           <a:p>
             <a:r>
-              <a:rPr lang="en-US" dirty="0" smtClean="0"/>
+              <a:rPr lang="en-US" dirty="0"/>
               <a:t>It represents the set of properties or methods that are common to all objects of one type. </a:t>
             </a:r>
           </a:p>
           <a:p>
             <a:r>
-              <a:rPr lang="en-US" dirty="0" smtClean="0"/>
+              <a:rPr lang="en-US" dirty="0"/>
               <a:t>Class includes data members, methods, constructors etc…</a:t>
             </a:r>
           </a:p>
@@ -8138,18 +8017,17 @@
           </a:p>
           <a:p>
             <a:r>
-              <a:rPr lang="en-US" dirty="0" smtClean="0"/>
+              <a:rPr lang="en-US" dirty="0"/>
               <a:t>E.g. </a:t>
             </a:r>
             <a:r>
-              <a:rPr lang="en-US" dirty="0" err="1" smtClean="0"/>
+              <a:rPr lang="en-US" dirty="0" err="1"/>
               <a:t>Student,Employee,Customer,Account</a:t>
             </a:r>
             <a:r>
-              <a:rPr lang="en-US" dirty="0" smtClean="0"/>
+              <a:rPr lang="en-US" dirty="0"/>
               <a:t> etc..</a:t>
             </a:r>
-            <a:endParaRPr lang="en-US" dirty="0"/>
           </a:p>
         </p:txBody>
       </p:sp>
@@ -8199,10 +8077,9 @@
           <a:lstStyle/>
           <a:p>
             <a:r>
-              <a:rPr lang="en-US" dirty="0" smtClean="0"/>
+              <a:rPr lang="en-US" dirty="0"/>
               <a:t>Object</a:t>
             </a:r>
-            <a:endParaRPr lang="en-US" dirty="0"/>
           </a:p>
         </p:txBody>
       </p:sp>
@@ -8228,59 +8105,59 @@
           </a:bodyPr>
           <a:lstStyle/>
           <a:p>
-            <a:endParaRPr lang="en-US" dirty="0" smtClean="0"/>
-          </a:p>
-          <a:p>
-            <a:r>
-              <a:rPr lang="en-US" dirty="0" smtClean="0"/>
+            <a:endParaRPr lang="en-US" dirty="0"/>
+          </a:p>
+          <a:p>
+            <a:r>
+              <a:rPr lang="en-US" dirty="0"/>
               <a:t>It is a basic unit of Object Oriented Programming and represents the real life entities.  </a:t>
             </a:r>
           </a:p>
           <a:p>
             <a:r>
-              <a:rPr lang="en-US" dirty="0" smtClean="0"/>
+              <a:rPr lang="en-US" dirty="0"/>
               <a:t>An object consists of :</a:t>
             </a:r>
           </a:p>
           <a:p>
-            <a:endParaRPr lang="en-US" dirty="0" smtClean="0"/>
-          </a:p>
-          <a:p>
-            <a:r>
-              <a:rPr lang="en-US" dirty="0" smtClean="0"/>
+            <a:endParaRPr lang="en-US" dirty="0"/>
+          </a:p>
+          <a:p>
+            <a:r>
+              <a:rPr lang="en-US" dirty="0"/>
               <a:t>State : It is represented by attributes of an object. (properties of an object) / instance variables(non static)</a:t>
             </a:r>
           </a:p>
           <a:p>
             <a:r>
-              <a:rPr lang="en-US" dirty="0" smtClean="0"/>
+              <a:rPr lang="en-US" dirty="0"/>
               <a:t>Behavior : It is represented by methods of an object (actions upon data)</a:t>
             </a:r>
           </a:p>
           <a:p>
             <a:r>
-              <a:rPr lang="en-US" dirty="0" smtClean="0"/>
+              <a:rPr lang="en-US" dirty="0"/>
               <a:t>Identity : It gives a unique identity to an object and enables one object to interact with other objects. </a:t>
             </a:r>
             <a:r>
-              <a:rPr lang="en-US" dirty="0" err="1" smtClean="0"/>
+              <a:rPr lang="en-US" dirty="0" err="1"/>
               <a:t>eg</a:t>
             </a:r>
             <a:r>
-              <a:rPr lang="en-US" dirty="0" smtClean="0"/>
+              <a:rPr lang="en-US" dirty="0"/>
               <a:t> : </a:t>
             </a:r>
             <a:r>
-              <a:rPr lang="en-US" dirty="0" err="1" smtClean="0"/>
+              <a:rPr lang="en-US" dirty="0" err="1"/>
               <a:t>Emp</a:t>
             </a:r>
             <a:r>
-              <a:rPr lang="en-US" dirty="0" smtClean="0"/>
+              <a:rPr lang="en-US" dirty="0"/>
               <a:t> id , Student PRN  </a:t>
             </a:r>
           </a:p>
           <a:p>
-            <a:endParaRPr lang="en-US" dirty="0" smtClean="0"/>
+            <a:endParaRPr lang="en-US" dirty="0"/>
           </a:p>
         </p:txBody>
       </p:sp>
@@ -8330,54 +8207,48 @@
           <a:lstStyle/>
           <a:p>
             <a:r>
-              <a:rPr lang="en-US" dirty="0" smtClean="0"/>
+              <a:rPr lang="en-US" dirty="0"/>
               <a:t>Object Creation</a:t>
             </a:r>
+          </a:p>
+        </p:txBody>
+      </p:sp>
+      <p:sp>
+        <p:nvSpPr>
+          <p:cNvPr id="3" name="Content Placeholder 2"/>
+          <p:cNvSpPr>
+            <a:spLocks noGrp="1"/>
+          </p:cNvSpPr>
+          <p:nvPr>
+            <p:ph idx="1"/>
+          </p:nvPr>
+        </p:nvSpPr>
+        <p:spPr/>
+        <p:txBody>
+          <a:bodyPr/>
+          <a:lstStyle/>
+          <a:p>
+            <a:r>
+              <a:rPr lang="en-US" dirty="0"/>
+              <a:t>The new operator instantiates a class by allocating memory for a new object and returning a reference to that memory. The new operator also invokes the class constructor.</a:t>
+            </a:r>
+          </a:p>
+          <a:p>
             <a:endParaRPr lang="en-US" dirty="0"/>
           </a:p>
-        </p:txBody>
-      </p:sp>
-      <p:sp>
-        <p:nvSpPr>
-          <p:cNvPr id="3" name="Content Placeholder 2"/>
-          <p:cNvSpPr>
-            <a:spLocks noGrp="1"/>
-          </p:cNvSpPr>
-          <p:nvPr>
-            <p:ph idx="1"/>
-          </p:nvPr>
-        </p:nvSpPr>
-        <p:spPr/>
-        <p:txBody>
-          <a:bodyPr/>
-          <a:lstStyle/>
-          <a:p>
-            <a:r>
-              <a:rPr lang="en-US" dirty="0" smtClean="0"/>
-              <a:t>The new operator instantiates a class by allocating memory for a new object and returning a reference to that memory. The new operator also invokes the class constructor.</a:t>
-            </a:r>
-          </a:p>
-          <a:p>
-            <a:endParaRPr lang="en-US" dirty="0"/>
-          </a:p>
-          <a:p>
-            <a:r>
-              <a:rPr lang="en-US" dirty="0"/>
-              <a:t>e</a:t>
-            </a:r>
-            <a:r>
-              <a:rPr lang="en-US" dirty="0" smtClean="0"/>
-              <a:t>.g. Employee </a:t>
-            </a:r>
-            <a:r>
-              <a:rPr lang="en-US" dirty="0" err="1" smtClean="0"/>
+          <a:p>
+            <a:r>
+              <a:rPr lang="en-US" dirty="0"/>
+              <a:t>e.g. Employee </a:t>
+            </a:r>
+            <a:r>
+              <a:rPr lang="en-US" dirty="0" err="1"/>
               <a:t>emp</a:t>
             </a:r>
             <a:r>
-              <a:rPr lang="en-US" dirty="0" smtClean="0"/>
+              <a:rPr lang="en-US" dirty="0"/>
               <a:t>=new Employee();</a:t>
             </a:r>
-            <a:endParaRPr lang="en-US" dirty="0"/>
           </a:p>
         </p:txBody>
       </p:sp>
@@ -8443,20 +8314,11 @@
               <a:rPr lang="en-US" dirty="0"/>
               <a:t> keyword in Java. </a:t>
             </a:r>
-            <a:endParaRPr lang="en-US" dirty="0" smtClean="0"/>
-          </a:p>
-          <a:p>
-            <a:r>
-              <a:rPr lang="en-US" dirty="0" smtClean="0"/>
-              <a:t>Every </a:t>
-            </a:r>
-            <a:r>
-              <a:rPr lang="en-US" dirty="0"/>
-              <a:t>time you do something </a:t>
-            </a:r>
-            <a:r>
-              <a:rPr lang="en-US" dirty="0" smtClean="0"/>
-              <a:t>like</a:t>
+          </a:p>
+          <a:p>
+            <a:r>
+              <a:rPr lang="en-US" dirty="0"/>
+              <a:t>Every time you do something like</a:t>
             </a:r>
           </a:p>
           <a:p>
@@ -8489,7 +8351,7 @@
               <a:t>ClassName</a:t>
             </a:r>
             <a:r>
-              <a:rPr lang="en-IN" dirty="0" smtClean="0"/>
+              <a:rPr lang="en-IN" dirty="0"/>
               <a:t>();</a:t>
             </a:r>
           </a:p>
@@ -8507,15 +8369,7 @@
             </a:r>
             <a:r>
               <a:rPr lang="en-US" dirty="0"/>
-              <a:t> to create this object, once this memory is allocated it holds the reference to this memory </a:t>
-            </a:r>
-            <a:r>
-              <a:rPr lang="en-US" dirty="0" smtClean="0"/>
-              <a:t>through </a:t>
-            </a:r>
-            <a:r>
-              <a:rPr lang="en-US" dirty="0"/>
-              <a:t>some variable which is </a:t>
+              <a:t> to create this object, once this memory is allocated it holds the reference to this memory through some variable which is </a:t>
             </a:r>
             <a:r>
               <a:rPr lang="en-US" b="1" dirty="0" err="1"/>
@@ -8523,11 +8377,7 @@
             </a:r>
             <a:r>
               <a:rPr lang="en-US" dirty="0"/>
-              <a:t> here</a:t>
-            </a:r>
-            <a:r>
-              <a:rPr lang="en-US" dirty="0" smtClean="0"/>
-              <a:t>.</a:t>
+              <a:t> here.</a:t>
             </a:r>
           </a:p>
           <a:p>
@@ -8601,10 +8451,9 @@
           <a:lstStyle/>
           <a:p>
             <a:r>
-              <a:rPr lang="en-US" dirty="0" smtClean="0"/>
+              <a:rPr lang="en-US" dirty="0"/>
               <a:t>Constructor</a:t>
             </a:r>
-            <a:endParaRPr lang="en-US" dirty="0"/>
           </a:p>
         </p:txBody>
       </p:sp>
@@ -8626,81 +8475,80 @@
           <a:lstStyle/>
           <a:p>
             <a:r>
-              <a:rPr lang="en-US" dirty="0" smtClean="0"/>
+              <a:rPr lang="en-US" dirty="0"/>
               <a:t>Constructor </a:t>
             </a:r>
           </a:p>
           <a:p>
             <a:pPr lvl="1"/>
             <a:r>
-              <a:rPr lang="en-US" dirty="0" smtClean="0"/>
+              <a:rPr lang="en-US" dirty="0"/>
               <a:t>is a special method having</a:t>
             </a:r>
           </a:p>
           <a:p>
             <a:pPr lvl="1"/>
             <a:r>
-              <a:rPr lang="en-US" dirty="0" smtClean="0"/>
+              <a:rPr lang="en-US" dirty="0"/>
               <a:t>same name as the class name</a:t>
             </a:r>
           </a:p>
           <a:p>
             <a:pPr lvl="1"/>
             <a:r>
-              <a:rPr lang="en-US" dirty="0" smtClean="0"/>
+              <a:rPr lang="en-US" dirty="0"/>
               <a:t>no explicit return type not even void</a:t>
             </a:r>
           </a:p>
           <a:p>
             <a:pPr lvl="1"/>
             <a:r>
-              <a:rPr lang="en-US" dirty="0" smtClean="0"/>
+              <a:rPr lang="en-US" dirty="0"/>
               <a:t>may be parameterized or parameter less.</a:t>
             </a:r>
           </a:p>
           <a:p>
-            <a:endParaRPr lang="en-US" dirty="0" smtClean="0"/>
-          </a:p>
-          <a:p>
-            <a:r>
-              <a:rPr lang="en-US" dirty="0" smtClean="0"/>
+            <a:endParaRPr lang="en-US" dirty="0"/>
+          </a:p>
+          <a:p>
+            <a:r>
+              <a:rPr lang="en-US" dirty="0"/>
               <a:t>Parameterized constructor is used </a:t>
             </a:r>
             <a:r>
-              <a:rPr lang="en-US" dirty="0" err="1" smtClean="0"/>
+              <a:rPr lang="en-US" dirty="0" err="1"/>
               <a:t>init</a:t>
             </a:r>
             <a:r>
-              <a:rPr lang="en-US" dirty="0" smtClean="0"/>
+              <a:rPr lang="en-US" dirty="0"/>
               <a:t> state of the object.</a:t>
             </a:r>
           </a:p>
           <a:p>
-            <a:endParaRPr lang="en-US" dirty="0" smtClean="0"/>
-          </a:p>
-          <a:p>
-            <a:r>
-              <a:rPr lang="en-US" dirty="0" smtClean="0"/>
+            <a:endParaRPr lang="en-US" dirty="0"/>
+          </a:p>
+          <a:p>
+            <a:r>
+              <a:rPr lang="en-US" dirty="0"/>
               <a:t>If a class does not explicitly declare any </a:t>
             </a:r>
             <a:r>
-              <a:rPr lang="en-US" dirty="0" err="1" smtClean="0"/>
+              <a:rPr lang="en-US" dirty="0" err="1"/>
               <a:t>constr</a:t>
             </a:r>
             <a:r>
-              <a:rPr lang="en-US" dirty="0" smtClean="0"/>
+              <a:rPr lang="en-US" dirty="0"/>
               <a:t> , the Java compiler automatically provides a no-argument constructor, called the default constructor. </a:t>
             </a:r>
           </a:p>
           <a:p>
-            <a:endParaRPr lang="en-US" dirty="0" smtClean="0"/>
-          </a:p>
-          <a:p>
-            <a:r>
-              <a:rPr lang="en-US" dirty="0" smtClean="0"/>
+            <a:endParaRPr lang="en-US" dirty="0"/>
+          </a:p>
+          <a:p>
+            <a:r>
+              <a:rPr lang="en-US" dirty="0"/>
               <a:t>This default constructor implicitly calls the super class's  no-argument constructor </a:t>
             </a:r>
-            <a:endParaRPr lang="en-US" dirty="0"/>
           </a:p>
         </p:txBody>
       </p:sp>
